--- a/Documents/Presentation_projets_v1.2.pptx
+++ b/Documents/Presentation_projets_v1.2.pptx
@@ -217,7 +217,7 @@
           <a:p>
             <a:fld id="{A5C20BB3-3CCB-4FE5-991B-82F6BCB48AF3}" type="datetimeFigureOut">
               <a:rPr lang="en-US" smtClean="0"/>
-              <a:t>5/9/23</a:t>
+              <a:t>7/15/23</a:t>
             </a:fld>
             <a:endParaRPr lang="en-US"/>
           </a:p>
@@ -2680,7 +2680,7 @@
           <a:p>
             <a:fld id="{0D3A1FA2-2814-9746-BD1D-465F9DC2DC81}" type="datetime1">
               <a:rPr lang="fr-FR" smtClean="0"/>
-              <a:t>09/05/2023</a:t>
+              <a:t>15/07/2023</a:t>
             </a:fld>
             <a:endParaRPr lang="en-US" dirty="0"/>
           </a:p>
@@ -2855,7 +2855,7 @@
           <a:p>
             <a:fld id="{9352AFE1-A5A0-7A44-BABD-99928BEC8DE4}" type="datetime1">
               <a:rPr lang="fr-FR" smtClean="0"/>
-              <a:t>09/05/2023</a:t>
+              <a:t>15/07/2023</a:t>
             </a:fld>
             <a:endParaRPr lang="en-US" dirty="0"/>
           </a:p>
@@ -3039,7 +3039,7 @@
           <a:p>
             <a:fld id="{74D01BE6-96FC-E343-9868-A9013DAB01A3}" type="datetime1">
               <a:rPr lang="fr-FR" smtClean="0"/>
-              <a:t>09/05/2023</a:t>
+              <a:t>15/07/2023</a:t>
             </a:fld>
             <a:endParaRPr lang="en-US" dirty="0"/>
           </a:p>
@@ -3213,7 +3213,7 @@
           <a:p>
             <a:fld id="{86F4F89B-19C4-6046-8BF6-EFAE01D2E884}" type="datetime1">
               <a:rPr lang="fr-FR" smtClean="0"/>
-              <a:t>09/05/2023</a:t>
+              <a:t>15/07/2023</a:t>
             </a:fld>
             <a:endParaRPr lang="en-US" dirty="0"/>
           </a:p>
@@ -3486,7 +3486,7 @@
           <a:p>
             <a:fld id="{479A5033-AE73-3F45-9A8D-AD884C1F17D4}" type="datetime1">
               <a:rPr lang="fr-FR" smtClean="0"/>
-              <a:t>09/05/2023</a:t>
+              <a:t>15/07/2023</a:t>
             </a:fld>
             <a:endParaRPr lang="en-US" dirty="0"/>
           </a:p>
@@ -3723,7 +3723,7 @@
           <a:p>
             <a:fld id="{2F10C781-C34F-9348-A873-D71366BB2D1E}" type="datetime1">
               <a:rPr lang="fr-FR" smtClean="0"/>
-              <a:t>09/05/2023</a:t>
+              <a:t>15/07/2023</a:t>
             </a:fld>
             <a:endParaRPr lang="en-US" dirty="0"/>
           </a:p>
@@ -4086,7 +4086,7 @@
           <a:p>
             <a:fld id="{1FFF531B-A0C2-6340-9E50-E37F187326CA}" type="datetime1">
               <a:rPr lang="fr-FR" smtClean="0"/>
-              <a:t>09/05/2023</a:t>
+              <a:t>15/07/2023</a:t>
             </a:fld>
             <a:endParaRPr lang="en-US" dirty="0"/>
           </a:p>
@@ -4231,7 +4231,7 @@
           <a:p>
             <a:fld id="{A4796B9F-8515-EA41-96F9-4EE538AD2708}" type="datetime1">
               <a:rPr lang="fr-FR" smtClean="0"/>
-              <a:t>09/05/2023</a:t>
+              <a:t>15/07/2023</a:t>
             </a:fld>
             <a:endParaRPr lang="en-US" dirty="0"/>
           </a:p>
@@ -4330,7 +4330,7 @@
           <a:p>
             <a:fld id="{7069833A-4C9D-4A4E-9571-F737D2C90881}" type="datetime1">
               <a:rPr lang="fr-FR" smtClean="0"/>
-              <a:t>09/05/2023</a:t>
+              <a:t>15/07/2023</a:t>
             </a:fld>
             <a:endParaRPr lang="en-US" dirty="0"/>
           </a:p>
@@ -4691,7 +4691,7 @@
           <a:p>
             <a:fld id="{BD5B4F16-3688-E34E-B693-41748CB02116}" type="datetime1">
               <a:rPr lang="fr-FR" smtClean="0"/>
-              <a:t>09/05/2023</a:t>
+              <a:t>15/07/2023</a:t>
             </a:fld>
             <a:endParaRPr lang="en-US" dirty="0"/>
           </a:p>
@@ -5052,7 +5052,7 @@
           <a:p>
             <a:fld id="{57FDA6DE-EF05-A846-A2FA-42E5EC07399F}" type="datetime1">
               <a:rPr lang="fr-FR" smtClean="0"/>
-              <a:t>09/05/2023</a:t>
+              <a:t>15/07/2023</a:t>
             </a:fld>
             <a:endParaRPr lang="en-US" dirty="0"/>
           </a:p>
@@ -5298,7 +5298,7 @@
           <a:p>
             <a:fld id="{774BD6B6-7670-E743-AA23-356AFD11D51A}" type="datetime1">
               <a:rPr lang="fr-FR" smtClean="0"/>
-              <a:t>09/05/2023</a:t>
+              <a:t>15/07/2023</a:t>
             </a:fld>
             <a:endParaRPr lang="en-US" dirty="0"/>
           </a:p>
@@ -8268,7 +8268,7 @@
                   </a:extLst>
                 </a:hlinkClick>
               </a:rPr>
-              <a:t>http://54.170.105.187:8000/docs</a:t>
+              <a:t>http://xxx.xxx.xxx.xxx:8000/docs</a:t>
             </a:r>
             <a:endParaRPr lang="fr-FR" sz="1400" b="1" u="sng" dirty="0">
               <a:solidFill>
@@ -9204,7 +9204,34 @@
                 <a:latin typeface="Slack-Lato"/>
                 <a:hlinkClick r:id="rId6"/>
               </a:rPr>
-              <a:t>http://54.170.105.187:5000/</a:t>
+              <a:t>http://</a:t>
+            </a:r>
+            <a:r>
+              <a:rPr lang="fr-FR" sz="1400" b="1" u="sng" dirty="0">
+                <a:solidFill>
+                  <a:srgbClr val="00B0F0"/>
+                </a:solidFill>
+                <a:latin typeface="Slack-Lato"/>
+                <a:hlinkClick r:id="rId7">
+                  <a:extLst>
+                    <a:ext uri="{A12FA001-AC4F-418D-AE19-62706E023703}">
+                      <ahyp:hlinkClr xmlns:ahyp="http://schemas.microsoft.com/office/drawing/2018/hyperlinkcolor" val="tx"/>
+                    </a:ext>
+                  </a:extLst>
+                </a:hlinkClick>
+              </a:rPr>
+              <a:t>xxx.xxx.xxx.xxx</a:t>
+            </a:r>
+            <a:r>
+              <a:rPr lang="fr-FR" sz="1400" b="1" i="0" u="sng" dirty="0">
+                <a:solidFill>
+                  <a:srgbClr val="1D1C1D"/>
+                </a:solidFill>
+                <a:effectLst/>
+                <a:latin typeface="Slack-Lato"/>
+                <a:hlinkClick r:id="rId6"/>
+              </a:rPr>
+              <a:t>:5000/</a:t>
             </a:r>
             <a:endParaRPr lang="fr-FR" sz="1400" dirty="0">
               <a:solidFill>
@@ -10722,7 +10749,7 @@
         </p:spPr>
         <p:txBody>
           <a:bodyPr>
-            <a:normAutofit/>
+            <a:normAutofit lnSpcReduction="10000"/>
           </a:bodyPr>
           <a:lstStyle/>
           <a:p>
@@ -10757,7 +10784,7 @@
                 </a:solidFill>
                 <a:hlinkClick r:id="rId3"/>
               </a:rPr>
-              <a:t>https://github.com/DataScientest-Studio/FEV23_Airlines.git</a:t>
+              <a:t>https://github.com/brb93330/DstAirlines.git</a:t>
             </a:r>
             <a:endParaRPr lang="en-US" sz="2800" dirty="0">
               <a:solidFill>
@@ -10766,6 +10793,40 @@
             </a:endParaRPr>
           </a:p>
           <a:p>
+            <a:r>
+              <a:rPr lang="en-US" sz="2800" dirty="0">
+                <a:solidFill>
+                  <a:srgbClr val="404040"/>
+                </a:solidFill>
+              </a:rPr>
+              <a:t>Image de </a:t>
+            </a:r>
+            <a:r>
+              <a:rPr lang="en-US" sz="2800" dirty="0" err="1">
+                <a:solidFill>
+                  <a:srgbClr val="404040"/>
+                </a:solidFill>
+              </a:rPr>
+              <a:t>l’API</a:t>
+            </a:r>
+            <a:r>
+              <a:rPr lang="en-US" sz="2800" dirty="0">
+                <a:solidFill>
+                  <a:srgbClr val="404040"/>
+                </a:solidFill>
+              </a:rPr>
+              <a:t> (docker hub) : </a:t>
+            </a:r>
+            <a:r>
+              <a:rPr lang="fr-FR" sz="2800" b="1" i="1" dirty="0">
+                <a:solidFill>
+                  <a:srgbClr val="404040"/>
+                </a:solidFill>
+              </a:rPr>
+              <a:t>brb93330/dashboard-dstairlines:1.0.3</a:t>
+            </a:r>
+          </a:p>
+          <a:p>
             <a:pPr algn="l"/>
             <a:r>
               <a:rPr lang="en-US" sz="2800" dirty="0">
@@ -10773,42 +10834,7 @@
                   <a:srgbClr val="404040"/>
                 </a:solidFill>
               </a:rPr>
-              <a:t>Image de </a:t>
-            </a:r>
-            <a:r>
-              <a:rPr lang="en-US" sz="2800" dirty="0" err="1">
-                <a:solidFill>
-                  <a:srgbClr val="404040"/>
-                </a:solidFill>
-              </a:rPr>
-              <a:t>l’API</a:t>
-            </a:r>
-            <a:r>
-              <a:rPr lang="en-US" sz="2800" dirty="0">
-                <a:solidFill>
-                  <a:srgbClr val="404040"/>
-                </a:solidFill>
-              </a:rPr>
-              <a:t> : </a:t>
-            </a:r>
-            <a:r>
-              <a:rPr lang="fr-FR" sz="2800" b="1" i="1" dirty="0">
-                <a:solidFill>
-                  <a:srgbClr val="404040"/>
-                </a:solidFill>
-              </a:rPr>
-              <a:t>brb93330/dashboard-dstairlines:1.0.3</a:t>
-            </a:r>
-          </a:p>
-          <a:p>
-            <a:pPr algn="l"/>
-            <a:r>
-              <a:rPr lang="en-US" sz="2800" dirty="0">
-                <a:solidFill>
-                  <a:srgbClr val="404040"/>
-                </a:solidFill>
-              </a:rPr>
-              <a:t>Image du Dashboard : </a:t>
+              <a:t>Image du Dashboard (docker hub) : </a:t>
             </a:r>
             <a:r>
               <a:rPr lang="en-US" sz="2800" b="1" i="1" dirty="0">
@@ -11431,7 +11457,7 @@
           <p:nvPr>
             <p:extLst>
               <p:ext uri="{D42A27DB-BD31-4B8C-83A1-F6EECF244321}">
-                <p14:modId xmlns:p14="http://schemas.microsoft.com/office/powerpoint/2010/main" val="4119094663"/>
+                <p14:modId xmlns:p14="http://schemas.microsoft.com/office/powerpoint/2010/main" val="1825543997"/>
               </p:ext>
             </p:extLst>
           </p:nvPr>
@@ -11494,7 +11520,7 @@
           <p:nvPr>
             <p:extLst>
               <p:ext uri="{D42A27DB-BD31-4B8C-83A1-F6EECF244321}">
-                <p14:modId xmlns:p14="http://schemas.microsoft.com/office/powerpoint/2010/main" val="3078512914"/>
+                <p14:modId xmlns:p14="http://schemas.microsoft.com/office/powerpoint/2010/main" val="4201110774"/>
               </p:ext>
             </p:extLst>
           </p:nvPr>
@@ -11942,10 +11968,10 @@
       </p:sp>
       <p:sp>
         <p:nvSpPr>
-          <p:cNvPr id="4" name="ZoneTexte 3">
+          <p:cNvPr id="10" name="ZoneTexte 9">
             <a:extLst>
               <a:ext uri="{FF2B5EF4-FFF2-40B4-BE49-F238E27FC236}">
-                <a16:creationId xmlns:a16="http://schemas.microsoft.com/office/drawing/2014/main" id="{30082D3C-BD13-B02E-008B-0DB75D577C28}"/>
+                <a16:creationId xmlns:a16="http://schemas.microsoft.com/office/drawing/2014/main" id="{14BE1A87-68AA-158C-4B97-739A6484A997}"/>
               </a:ext>
             </a:extLst>
           </p:cNvPr>
@@ -11954,8 +11980,55 @@
         </p:nvSpPr>
         <p:spPr>
           <a:xfrm>
-            <a:off x="10405641" y="121535"/>
-            <a:ext cx="1603615" cy="461665"/>
+            <a:off x="11227443" y="6246857"/>
+            <a:ext cx="756938" cy="369332"/>
+          </a:xfrm>
+          <a:prstGeom prst="rect">
+            <a:avLst/>
+          </a:prstGeom>
+          <a:noFill/>
+        </p:spPr>
+        <p:txBody>
+          <a:bodyPr wrap="none" rtlCol="0">
+            <a:spAutoFit/>
+          </a:bodyPr>
+          <a:lstStyle/>
+          <a:p>
+            <a:fld id="{F079B5E8-DC51-C542-ACA4-C01BAF76D104}" type="slidenum">
+              <a:rPr lang="fr-FR" b="1" smtClean="0">
+                <a:solidFill>
+                  <a:schemeClr val="bg1"/>
+                </a:solidFill>
+              </a:rPr>
+              <a:t>3</a:t>
+            </a:fld>
+            <a:r>
+              <a:rPr lang="fr-FR" b="1" dirty="0">
+                <a:solidFill>
+                  <a:schemeClr val="bg1"/>
+                </a:solidFill>
+              </a:rPr>
+              <a:t> / 21</a:t>
+            </a:r>
+          </a:p>
+        </p:txBody>
+      </p:sp>
+      <p:sp>
+        <p:nvSpPr>
+          <p:cNvPr id="5" name="ZoneTexte 4">
+            <a:extLst>
+              <a:ext uri="{FF2B5EF4-FFF2-40B4-BE49-F238E27FC236}">
+                <a16:creationId xmlns:a16="http://schemas.microsoft.com/office/drawing/2014/main" id="{9F4A4B18-1484-E41B-0EE7-21E6F24F8E6A}"/>
+              </a:ext>
+            </a:extLst>
+          </p:cNvPr>
+          <p:cNvSpPr txBox="1"/>
+          <p:nvPr/>
+        </p:nvSpPr>
+        <p:spPr>
+          <a:xfrm>
+            <a:off x="10573473" y="121289"/>
+            <a:ext cx="1435783" cy="461665"/>
           </a:xfrm>
           <a:prstGeom prst="rect">
             <a:avLst/>
@@ -11987,53 +12060,6 @@
                 <a:schemeClr val="bg1"/>
               </a:solidFill>
             </a:endParaRPr>
-          </a:p>
-        </p:txBody>
-      </p:sp>
-      <p:sp>
-        <p:nvSpPr>
-          <p:cNvPr id="10" name="ZoneTexte 9">
-            <a:extLst>
-              <a:ext uri="{FF2B5EF4-FFF2-40B4-BE49-F238E27FC236}">
-                <a16:creationId xmlns:a16="http://schemas.microsoft.com/office/drawing/2014/main" id="{14BE1A87-68AA-158C-4B97-739A6484A997}"/>
-              </a:ext>
-            </a:extLst>
-          </p:cNvPr>
-          <p:cNvSpPr txBox="1"/>
-          <p:nvPr/>
-        </p:nvSpPr>
-        <p:spPr>
-          <a:xfrm>
-            <a:off x="11227443" y="6246857"/>
-            <a:ext cx="756938" cy="369332"/>
-          </a:xfrm>
-          <a:prstGeom prst="rect">
-            <a:avLst/>
-          </a:prstGeom>
-          <a:noFill/>
-        </p:spPr>
-        <p:txBody>
-          <a:bodyPr wrap="none" rtlCol="0">
-            <a:spAutoFit/>
-          </a:bodyPr>
-          <a:lstStyle/>
-          <a:p>
-            <a:fld id="{F079B5E8-DC51-C542-ACA4-C01BAF76D104}" type="slidenum">
-              <a:rPr lang="fr-FR" b="1" smtClean="0">
-                <a:solidFill>
-                  <a:schemeClr val="bg1"/>
-                </a:solidFill>
-              </a:rPr>
-              <a:t>3</a:t>
-            </a:fld>
-            <a:r>
-              <a:rPr lang="fr-FR" b="1" dirty="0">
-                <a:solidFill>
-                  <a:schemeClr val="bg1"/>
-                </a:solidFill>
-              </a:rPr>
-              <a:t> / 21</a:t>
-            </a:r>
           </a:p>
         </p:txBody>
       </p:sp>
